--- a/2 - Approche agile/1 - Cours/4 - Git/Formation Git.pptx
+++ b/2 - Approche agile/1 - Cours/4 - Git/Formation Git.pptx
@@ -1249,7 +1249,7 @@
           <a:p>
             <a:fld id="{C4B5CFF1-3F32-47C3-9A7A-B669CB22E9F7}" type="datetime1">
               <a:rPr lang="en-US" smtClean="0"/>
-              <a:t>1/2/2025</a:t>
+              <a:t>1/17/2025</a:t>
             </a:fld>
             <a:endParaRPr lang="en-US" dirty="0"/>
           </a:p>
@@ -1504,7 +1504,7 @@
           <a:p>
             <a:fld id="{93298FC0-CD88-4136-845E-1F04C0A29EA0}" type="datetime1">
               <a:rPr lang="en-US" smtClean="0"/>
-              <a:t>1/2/2025</a:t>
+              <a:t>1/17/2025</a:t>
             </a:fld>
             <a:endParaRPr lang="en-US" dirty="0"/>
           </a:p>
@@ -1822,7 +1822,7 @@
           <a:p>
             <a:fld id="{466AB140-1783-4E35-BF3D-811030599D07}" type="datetime1">
               <a:rPr lang="en-US" smtClean="0"/>
-              <a:t>1/2/2025</a:t>
+              <a:t>1/17/2025</a:t>
             </a:fld>
             <a:endParaRPr lang="en-US" dirty="0"/>
           </a:p>
@@ -2167,7 +2167,7 @@
           <a:p>
             <a:fld id="{E130B2B4-045C-4393-B6F2-06BE46C0C5BC}" type="datetime1">
               <a:rPr lang="en-US" smtClean="0"/>
-              <a:t>1/2/2025</a:t>
+              <a:t>1/17/2025</a:t>
             </a:fld>
             <a:endParaRPr lang="en-US" dirty="0"/>
           </a:p>
@@ -2485,7 +2485,7 @@
           <a:p>
             <a:fld id="{D3733B45-FAA0-4A33-BB11-5134E170FCC2}" type="datetime1">
               <a:rPr lang="en-US" smtClean="0"/>
-              <a:t>1/2/2025</a:t>
+              <a:t>1/17/2025</a:t>
             </a:fld>
             <a:endParaRPr lang="en-US" dirty="0"/>
           </a:p>
@@ -2882,7 +2882,7 @@
           <a:p>
             <a:fld id="{B0CE2DDD-3EB1-40A5-A2BB-60B8B46E8263}" type="datetime1">
               <a:rPr lang="en-US" smtClean="0"/>
-              <a:t>1/2/2025</a:t>
+              <a:t>1/17/2025</a:t>
             </a:fld>
             <a:endParaRPr lang="en-US" dirty="0"/>
           </a:p>
@@ -3056,7 +3056,7 @@
           <a:p>
             <a:fld id="{36AE08E3-9EA1-4620-A8D2-6064565BC400}" type="datetime1">
               <a:rPr lang="en-US" smtClean="0"/>
-              <a:t>1/2/2025</a:t>
+              <a:t>1/17/2025</a:t>
             </a:fld>
             <a:endParaRPr lang="en-US" dirty="0"/>
           </a:p>
@@ -3240,7 +3240,7 @@
           <a:p>
             <a:fld id="{8B7A2DC0-1816-4DBF-B4D2-116C6DFCF4AE}" type="datetime1">
               <a:rPr lang="en-US" smtClean="0"/>
-              <a:t>1/2/2025</a:t>
+              <a:t>1/17/2025</a:t>
             </a:fld>
             <a:endParaRPr lang="en-US" dirty="0"/>
           </a:p>
@@ -3420,7 +3420,7 @@
           <a:p>
             <a:fld id="{90D75554-0E54-4974-9C85-4CAE4B5E6965}" type="datetime1">
               <a:rPr lang="en-US" smtClean="0"/>
-              <a:t>1/2/2025</a:t>
+              <a:t>1/17/2025</a:t>
             </a:fld>
             <a:endParaRPr lang="en-US" dirty="0"/>
           </a:p>
@@ -3671,7 +3671,7 @@
           <a:p>
             <a:fld id="{F17334EC-9BF4-4EA6-AB11-0710246ECB3D}" type="datetime1">
               <a:rPr lang="en-US" smtClean="0"/>
-              <a:t>1/2/2025</a:t>
+              <a:t>1/17/2025</a:t>
             </a:fld>
             <a:endParaRPr lang="en-US" dirty="0"/>
           </a:p>
@@ -3907,7 +3907,7 @@
           <a:p>
             <a:fld id="{1C309F3D-484C-451C-A1F7-8A6B95CAC6ED}" type="datetime1">
               <a:rPr lang="en-US" smtClean="0"/>
-              <a:t>1/2/2025</a:t>
+              <a:t>1/17/2025</a:t>
             </a:fld>
             <a:endParaRPr lang="en-US" dirty="0"/>
           </a:p>
@@ -4285,7 +4285,7 @@
           <a:p>
             <a:fld id="{C9A9F804-DF52-487C-85B8-37B814D93356}" type="datetime1">
               <a:rPr lang="en-US" smtClean="0"/>
-              <a:t>1/2/2025</a:t>
+              <a:t>1/17/2025</a:t>
             </a:fld>
             <a:endParaRPr lang="en-US" dirty="0"/>
           </a:p>
@@ -4412,7 +4412,7 @@
           <a:p>
             <a:fld id="{1D720BD6-06A3-446D-98BF-4E82427C640A}" type="datetime1">
               <a:rPr lang="en-US" smtClean="0"/>
-              <a:t>1/2/2025</a:t>
+              <a:t>1/17/2025</a:t>
             </a:fld>
             <a:endParaRPr lang="en-US" dirty="0"/>
           </a:p>
@@ -4511,7 +4511,7 @@
           <a:p>
             <a:fld id="{EFD787C8-6B34-43D8-8D62-995D61C4878A}" type="datetime1">
               <a:rPr lang="en-US" smtClean="0"/>
-              <a:t>1/2/2025</a:t>
+              <a:t>1/17/2025</a:t>
             </a:fld>
             <a:endParaRPr lang="en-US" dirty="0"/>
           </a:p>
@@ -4770,7 +4770,7 @@
           <a:p>
             <a:fld id="{3069DEF7-9D7F-4140-BC2F-D2BFE81FAD9D}" type="datetime1">
               <a:rPr lang="en-US" smtClean="0"/>
-              <a:t>1/2/2025</a:t>
+              <a:t>1/17/2025</a:t>
             </a:fld>
             <a:endParaRPr lang="en-US" dirty="0"/>
           </a:p>
@@ -5037,7 +5037,7 @@
           <a:p>
             <a:fld id="{79C4BAC1-7203-4051-8E1E-2AB1B3A3A7FB}" type="datetime1">
               <a:rPr lang="en-US" smtClean="0"/>
-              <a:t>1/2/2025</a:t>
+              <a:t>1/17/2025</a:t>
             </a:fld>
             <a:endParaRPr lang="en-US" dirty="0"/>
           </a:p>
@@ -5784,7 +5784,7 @@
           <a:p>
             <a:fld id="{1C8FC6C5-B26B-49E9-8DF9-221F4390CC00}" type="datetime1">
               <a:rPr lang="en-US" smtClean="0"/>
-              <a:t>1/2/2025</a:t>
+              <a:t>1/17/2025</a:t>
             </a:fld>
             <a:endParaRPr lang="en-US" dirty="0"/>
           </a:p>
@@ -12886,7 +12886,7 @@
                   <a:srgbClr val="FF0000"/>
                 </a:solidFill>
               </a:rPr>
-              <a:t>staget</a:t>
+              <a:t>staged</a:t>
             </a:r>
             <a:r>
               <a:rPr lang="fr-FR" sz="1600" b="1" dirty="0">
